--- a/classes/prog2021/Lab05.pptx
+++ b/classes/prog2021/Lab05.pptx
@@ -3257,7 +3257,15 @@
             </a:r>
             <a:r>
               <a:rPr lang="en-US" altLang="en-US" dirty="0"/>
-              <a:t>a place for user’s to type in the answer</a:t>
+              <a:t>a place </a:t>
+            </a:r>
+            <a:r>
+              <a:rPr lang="en-US" altLang="en-US"/>
+              <a:t>for users </a:t>
+            </a:r>
+            <a:r>
+              <a:rPr lang="en-US" altLang="en-US" dirty="0"/>
+              <a:t>to type in the answer</a:t>
             </a:r>
           </a:p>
           <a:p>
